--- a/16216/f15/lectures/16.216f15_lec6_PE1.pptx
+++ b/16216/f15/lectures/16.216f15_lec6_PE1.pptx
@@ -520,7 +520,7 @@
         <p:nvSpPr>
           <p:cNvPr id="21508" name="Rectangle 4"/>
           <p:cNvSpPr>
-            <a:spLocks noRot="1" noChangeArrowheads="1" noTextEdit="1"/>
+            <a:spLocks noGrp="1" noRot="1" noChangeAspect="1" noChangeArrowheads="1" noTextEdit="1"/>
           </p:cNvSpPr>
           <p:nvPr>
             <p:ph type="sldImg" idx="2"/>
@@ -544,7 +544,7 @@
             <a:tailEnd/>
           </a:ln>
           <a:extLst>
-            <a:ext uri="{909E8E84-426E-40dd-AFC4-6F175D3DCCD1}">
+            <a:ext uri="{909E8E84-426E-40DD-AFC4-6F175D3DCCD1}">
               <a14:hiddenFill xmlns:a14="http://schemas.microsoft.com/office/drawing/2010/main">
                 <a:solidFill>
                   <a:srgbClr val="FFFFFF"/>
@@ -552,7 +552,7 @@
               </a14:hiddenFill>
             </a:ext>
             <a:ext uri="{FAA26D3D-D897-4be2-8F04-BA451C77F1D7}">
-              <ma14:placeholderFlag xmlns:ma14="http://schemas.microsoft.com/office/mac/drawingml/2011/main" val="1"/>
+              <ma14:placeholderFlag xmlns:ma14="http://schemas.microsoft.com/office/mac/drawingml/2011/main" xmlns="" val="1"/>
             </a:ext>
           </a:extLst>
         </p:spPr>
@@ -891,14 +891,14 @@
           <a:noFill/>
           <a:ln/>
           <a:extLst>
-            <a:ext uri="{909E8E84-426E-40dd-AFC4-6F175D3DCCD1}">
+            <a:ext uri="{909E8E84-426E-40DD-AFC4-6F175D3DCCD1}">
               <a14:hiddenFill xmlns:a14="http://schemas.microsoft.com/office/drawing/2010/main">
                 <a:solidFill>
                   <a:srgbClr val="FFFFFF"/>
                 </a:solidFill>
               </a14:hiddenFill>
             </a:ext>
-            <a:ext uri="{91240B29-F687-4f45-9708-019B960494DF}">
+            <a:ext uri="{91240B29-F687-4F45-9708-019B960494DF}">
               <a14:hiddenLine xmlns:a14="http://schemas.microsoft.com/office/drawing/2010/main" w="9525">
                 <a:solidFill>
                   <a:srgbClr val="000000"/>
@@ -1042,7 +1042,7 @@
         <p:nvSpPr>
           <p:cNvPr id="22531" name="Rectangle 2"/>
           <p:cNvSpPr>
-            <a:spLocks noRot="1" noChangeArrowheads="1" noTextEdit="1"/>
+            <a:spLocks noGrp="1" noRot="1" noChangeAspect="1" noChangeArrowheads="1" noTextEdit="1"/>
           </p:cNvSpPr>
           <p:nvPr>
             <p:ph type="sldImg"/>
@@ -1066,14 +1066,14 @@
           <a:noFill/>
           <a:ln/>
           <a:extLst>
-            <a:ext uri="{909E8E84-426E-40dd-AFC4-6F175D3DCCD1}">
+            <a:ext uri="{909E8E84-426E-40DD-AFC4-6F175D3DCCD1}">
               <a14:hiddenFill xmlns:a14="http://schemas.microsoft.com/office/drawing/2010/main">
                 <a:solidFill>
                   <a:srgbClr val="FFFFFF"/>
                 </a:solidFill>
               </a14:hiddenFill>
             </a:ext>
-            <a:ext uri="{91240B29-F687-4f45-9708-019B960494DF}">
+            <a:ext uri="{91240B29-F687-4F45-9708-019B960494DF}">
               <a14:hiddenLine xmlns:a14="http://schemas.microsoft.com/office/drawing/2010/main" w="9525">
                 <a:solidFill>
                   <a:srgbClr val="000000"/>
@@ -1084,7 +1084,7 @@
               </a14:hiddenLine>
             </a:ext>
             <a:ext uri="{FAA26D3D-D897-4be2-8F04-BA451C77F1D7}">
-              <ma14:placeholderFlag xmlns:ma14="http://schemas.microsoft.com/office/mac/drawingml/2011/main" val="1"/>
+              <ma14:placeholderFlag xmlns:ma14="http://schemas.microsoft.com/office/mac/drawingml/2011/main" xmlns="" val="1"/>
             </a:ext>
           </a:extLst>
         </p:spPr>
@@ -1186,7 +1186,7 @@
             <a:tailEnd/>
           </a:ln>
           <a:extLst>
-            <a:ext uri="{909E8E84-426E-40dd-AFC4-6F175D3DCCD1}">
+            <a:ext uri="{909E8E84-426E-40DD-AFC4-6F175D3DCCD1}">
               <a14:hiddenFill xmlns:a14="http://schemas.microsoft.com/office/drawing/2010/main">
                 <a:solidFill>
                   <a:srgbClr val="FFFFFF"/>
@@ -1229,7 +1229,7 @@
             <a:tailEnd/>
           </a:ln>
           <a:extLst>
-            <a:ext uri="{909E8E84-426E-40dd-AFC4-6F175D3DCCD1}">
+            <a:ext uri="{909E8E84-426E-40DD-AFC4-6F175D3DCCD1}">
               <a14:hiddenFill xmlns:a14="http://schemas.microsoft.com/office/drawing/2010/main">
                 <a:noFill/>
               </a14:hiddenFill>
@@ -1329,7 +1329,7 @@
           <a:p>
             <a:fld id="{28625E70-20AF-0345-93C5-F2DF9F1772B5}" type="datetime1">
               <a:rPr lang="en-US" smtClean="0"/>
-              <a:t>9/14/15</a:t>
+              <a:t>9/16/2015</a:t>
             </a:fld>
             <a:endParaRPr lang="en-US"/>
           </a:p>
@@ -1526,7 +1526,7 @@
           <a:p>
             <a:fld id="{18EC1FB6-370A-E648-B3C4-4F8A22AFF75F}" type="datetime1">
               <a:rPr lang="en-US" smtClean="0"/>
-              <a:t>9/14/15</a:t>
+              <a:t>9/16/2015</a:t>
             </a:fld>
             <a:endParaRPr lang="en-US"/>
           </a:p>
@@ -1732,7 +1732,7 @@
           <a:p>
             <a:fld id="{B6A86971-3305-C043-AAD5-D650920541E6}" type="datetime1">
               <a:rPr lang="en-US" smtClean="0"/>
-              <a:t>9/14/15</a:t>
+              <a:t>9/16/2015</a:t>
             </a:fld>
             <a:endParaRPr lang="en-US"/>
           </a:p>
@@ -1995,7 +1995,7 @@
           <a:p>
             <a:fld id="{EA0ACAE1-4759-214C-BF58-B6E4F5418322}" type="datetime1">
               <a:rPr lang="en-US" smtClean="0"/>
-              <a:t>9/14/15</a:t>
+              <a:t>9/16/2015</a:t>
             </a:fld>
             <a:endParaRPr lang="en-US"/>
           </a:p>
@@ -2258,7 +2258,7 @@
           <a:p>
             <a:fld id="{567A9666-9B6C-DA40-A25B-8E390FCA7299}" type="datetime1">
               <a:rPr lang="en-US" smtClean="0"/>
-              <a:t>9/14/15</a:t>
+              <a:t>9/16/2015</a:t>
             </a:fld>
             <a:endParaRPr lang="en-US"/>
           </a:p>
@@ -2638,7 +2638,7 @@
           <a:p>
             <a:fld id="{07A7BEE1-CE8B-024C-A93B-F70CA35CE9A9}" type="datetime1">
               <a:rPr lang="en-US" smtClean="0"/>
-              <a:t>9/14/15</a:t>
+              <a:t>9/16/2015</a:t>
             </a:fld>
             <a:endParaRPr lang="en-US"/>
           </a:p>
@@ -2840,7 +2840,7 @@
           <a:p>
             <a:fld id="{B3240697-65BD-2045-9CE6-CA6B4B9F1E2E}" type="datetime1">
               <a:rPr lang="en-US" smtClean="0"/>
-              <a:t>9/14/15</a:t>
+              <a:t>9/16/2015</a:t>
             </a:fld>
             <a:endParaRPr lang="en-US"/>
           </a:p>
@@ -3058,7 +3058,7 @@
           <a:p>
             <a:fld id="{6CD41D95-D69D-AE40-A64E-276738A1A07D}" type="datetime1">
               <a:rPr lang="en-US" smtClean="0"/>
-              <a:t>9/14/15</a:t>
+              <a:t>9/16/2015</a:t>
             </a:fld>
             <a:endParaRPr lang="en-US"/>
           </a:p>
@@ -3372,7 +3372,7 @@
           <a:p>
             <a:fld id="{D466D61D-2D19-F944-AD17-2588499320BB}" type="datetime1">
               <a:rPr lang="en-US" smtClean="0"/>
-              <a:t>9/14/15</a:t>
+              <a:t>9/16/2015</a:t>
             </a:fld>
             <a:endParaRPr lang="en-US"/>
           </a:p>
@@ -3825,7 +3825,7 @@
           <a:p>
             <a:fld id="{4BB94158-0DFB-FC4D-9E95-298117B216E9}" type="datetime1">
               <a:rPr lang="en-US" smtClean="0"/>
-              <a:t>9/14/15</a:t>
+              <a:t>9/16/2015</a:t>
             </a:fld>
             <a:endParaRPr lang="en-US"/>
           </a:p>
@@ -3969,7 +3969,7 @@
           <a:p>
             <a:fld id="{75D3BEDC-3CEA-8A45-B9A8-9D0C7DDD5C51}" type="datetime1">
               <a:rPr lang="en-US" smtClean="0"/>
-              <a:t>9/14/15</a:t>
+              <a:t>9/16/2015</a:t>
             </a:fld>
             <a:endParaRPr lang="en-US"/>
           </a:p>
@@ -4090,7 +4090,7 @@
           <a:p>
             <a:fld id="{AB14A870-7C8C-364A-A868-3BA6420A59C9}" type="datetime1">
               <a:rPr lang="en-US" smtClean="0"/>
-              <a:t>9/14/15</a:t>
+              <a:t>9/16/2015</a:t>
             </a:fld>
             <a:endParaRPr lang="en-US"/>
           </a:p>
@@ -4393,7 +4393,7 @@
           <a:p>
             <a:fld id="{8CB90B3F-7054-ED4B-8191-38FFC8F8604A}" type="datetime1">
               <a:rPr lang="en-US" smtClean="0"/>
-              <a:t>9/14/15</a:t>
+              <a:t>9/16/2015</a:t>
             </a:fld>
             <a:endParaRPr lang="en-US"/>
           </a:p>
@@ -4673,7 +4673,7 @@
           <a:p>
             <a:fld id="{DA606F74-EB4A-554C-AA83-96A9AD58D222}" type="datetime1">
               <a:rPr lang="en-US" smtClean="0"/>
-              <a:t>9/14/15</a:t>
+              <a:t>9/16/2015</a:t>
             </a:fld>
             <a:endParaRPr lang="en-US"/>
           </a:p>
@@ -4802,14 +4802,14 @@
             <a:noFill/>
           </a:ln>
           <a:extLst>
-            <a:ext uri="{909E8E84-426E-40dd-AFC4-6F175D3DCCD1}">
+            <a:ext uri="{909E8E84-426E-40DD-AFC4-6F175D3DCCD1}">
               <a14:hiddenFill xmlns:a14="http://schemas.microsoft.com/office/drawing/2010/main">
                 <a:solidFill>
                   <a:srgbClr val="FFFFFF"/>
                 </a:solidFill>
               </a14:hiddenFill>
             </a:ext>
-            <a:ext uri="{91240B29-F687-4f45-9708-019B960494DF}">
+            <a:ext uri="{91240B29-F687-4F45-9708-019B960494DF}">
               <a14:hiddenLine xmlns:a14="http://schemas.microsoft.com/office/drawing/2010/main" w="9525">
                 <a:solidFill>
                   <a:srgbClr val="000000"/>
@@ -4820,7 +4820,7 @@
               </a14:hiddenLine>
             </a:ext>
             <a:ext uri="{FAA26D3D-D897-4be2-8F04-BA451C77F1D7}">
-              <ma14:placeholderFlag xmlns:ma14="http://schemas.microsoft.com/office/mac/drawingml/2011/main" val="1"/>
+              <ma14:placeholderFlag xmlns:ma14="http://schemas.microsoft.com/office/mac/drawingml/2011/main" xmlns="" val="1"/>
             </a:ext>
           </a:extLst>
         </p:spPr>
@@ -4863,14 +4863,14 @@
             <a:noFill/>
           </a:ln>
           <a:extLst>
-            <a:ext uri="{909E8E84-426E-40dd-AFC4-6F175D3DCCD1}">
+            <a:ext uri="{909E8E84-426E-40DD-AFC4-6F175D3DCCD1}">
               <a14:hiddenFill xmlns:a14="http://schemas.microsoft.com/office/drawing/2010/main">
                 <a:solidFill>
                   <a:srgbClr val="FFFFFF"/>
                 </a:solidFill>
               </a14:hiddenFill>
             </a:ext>
-            <a:ext uri="{91240B29-F687-4f45-9708-019B960494DF}">
+            <a:ext uri="{91240B29-F687-4F45-9708-019B960494DF}">
               <a14:hiddenLine xmlns:a14="http://schemas.microsoft.com/office/drawing/2010/main" w="9525">
                 <a:solidFill>
                   <a:srgbClr val="000000"/>
@@ -4881,7 +4881,7 @@
               </a14:hiddenLine>
             </a:ext>
             <a:ext uri="{FAA26D3D-D897-4be2-8F04-BA451C77F1D7}">
-              <ma14:placeholderFlag xmlns:ma14="http://schemas.microsoft.com/office/mac/drawingml/2011/main" val="1"/>
+              <ma14:placeholderFlag xmlns:ma14="http://schemas.microsoft.com/office/mac/drawingml/2011/main" xmlns="" val="1"/>
             </a:ext>
           </a:extLst>
         </p:spPr>
@@ -4972,7 +4972,7 @@
           <a:p>
             <a:fld id="{B02C7A88-7C64-2F46-BDBB-C6CF157B1181}" type="datetime1">
               <a:rPr lang="en-US" smtClean="0"/>
-              <a:t>9/14/15</a:t>
+              <a:t>9/16/2015</a:t>
             </a:fld>
             <a:endParaRPr lang="en-US"/>
           </a:p>
@@ -5146,7 +5146,7 @@
             <a:tailEnd/>
           </a:ln>
           <a:extLst>
-            <a:ext uri="{909E8E84-426E-40dd-AFC4-6F175D3DCCD1}">
+            <a:ext uri="{909E8E84-426E-40DD-AFC4-6F175D3DCCD1}">
               <a14:hiddenFill xmlns:a14="http://schemas.microsoft.com/office/drawing/2010/main">
                 <a:solidFill>
                   <a:srgbClr val="FFFFFF"/>
@@ -5189,7 +5189,7 @@
             <a:tailEnd/>
           </a:ln>
           <a:extLst>
-            <a:ext uri="{909E8E84-426E-40dd-AFC4-6F175D3DCCD1}">
+            <a:ext uri="{909E8E84-426E-40DD-AFC4-6F175D3DCCD1}">
               <a14:hiddenFill xmlns:a14="http://schemas.microsoft.com/office/drawing/2010/main">
                 <a:noFill/>
               </a14:hiddenFill>
@@ -5226,7 +5226,7 @@
   <p:timing>
     <p:tnLst>
       <p:par>
-        <p:cTn xmlns:p14="http://schemas.microsoft.com/office/powerpoint/2010/main" id="1" dur="indefinite" restart="never" nodeType="tmRoot"/>
+        <p:cTn id="1" dur="indefinite" restart="never" nodeType="tmRoot"/>
       </p:par>
     </p:tnLst>
   </p:timing>
@@ -5866,7 +5866,7 @@
   <p:timing>
     <p:tnLst>
       <p:par>
-        <p:cTn xmlns:p14="http://schemas.microsoft.com/office/powerpoint/2010/main" id="1" dur="indefinite" restart="never" nodeType="tmRoot"/>
+        <p:cTn id="1" dur="indefinite" restart="never" nodeType="tmRoot"/>
       </p:par>
     </p:tnLst>
   </p:timing>
@@ -6049,7 +6049,7 @@
               <a:rPr lang="en-US" smtClean="0">
                 <a:latin typeface="Garamond" charset="0"/>
               </a:rPr>
-              <a:t>9/14/15</a:t>
+              <a:t>9/16/2015</a:t>
             </a:fld>
             <a:endParaRPr lang="en-US">
               <a:latin typeface="Garamond" charset="0"/>
@@ -6236,7 +6236,7 @@
           <p:nvPr/>
         </p:nvPicPr>
         <p:blipFill>
-          <a:blip r:embed="rId2">
+          <a:blip r:embed="rId2" cstate="email">
             <a:extLst>
               <a:ext uri="{28A0092B-C50C-407E-A947-70E740481C1C}">
                 <a14:useLocalDpi xmlns:a14="http://schemas.microsoft.com/office/drawing/2010/main" val="0"/>
@@ -6262,14 +6262,14 @@
           </a:ln>
           <a:effectLst/>
           <a:extLst>
-            <a:ext uri="{909E8E84-426E-40dd-AFC4-6F175D3DCCD1}">
+            <a:ext uri="{909E8E84-426E-40DD-AFC4-6F175D3DCCD1}">
               <a14:hiddenFill xmlns:a14="http://schemas.microsoft.com/office/drawing/2010/main">
                 <a:solidFill>
                   <a:schemeClr val="accent1"/>
                 </a:solidFill>
               </a14:hiddenFill>
             </a:ext>
-            <a:ext uri="{91240B29-F687-4f45-9708-019B960494DF}">
+            <a:ext uri="{91240B29-F687-4F45-9708-019B960494DF}">
               <a14:hiddenLine xmlns:a14="http://schemas.microsoft.com/office/drawing/2010/main" w="9525">
                 <a:solidFill>
                   <a:schemeClr val="tx1"/>
@@ -6279,7 +6279,7 @@
                 <a:tailEnd/>
               </a14:hiddenLine>
             </a:ext>
-            <a:ext uri="{AF507438-7753-43e0-B8FC-AC1667EBCBE1}">
+            <a:ext uri="{AF507438-7753-43E0-B8FC-AC1667EBCBE1}">
               <a14:hiddenEffects xmlns:a14="http://schemas.microsoft.com/office/drawing/2010/main">
                 <a:effectLst>
                   <a:outerShdw blurRad="63500" dist="38099" dir="2700000" algn="ctr" rotWithShape="0">
@@ -6301,7 +6301,7 @@
   <p:timing>
     <p:tnLst>
       <p:par>
-        <p:cTn xmlns:p14="http://schemas.microsoft.com/office/powerpoint/2010/main" id="1" dur="indefinite" restart="never" nodeType="tmRoot"/>
+        <p:cTn id="1" dur="indefinite" restart="never" nodeType="tmRoot"/>
       </p:par>
     </p:tnLst>
   </p:timing>
@@ -6689,7 +6689,7 @@
               <a:rPr lang="en-US" smtClean="0">
                 <a:latin typeface="Garamond" charset="0"/>
               </a:rPr>
-              <a:t>9/14/15</a:t>
+              <a:t>9/16/2015</a:t>
             </a:fld>
             <a:endParaRPr lang="en-US">
               <a:latin typeface="Garamond" charset="0"/>
@@ -6875,7 +6875,7 @@
   <p:timing>
     <p:tnLst>
       <p:par>
-        <p:cTn xmlns:p14="http://schemas.microsoft.com/office/powerpoint/2010/main" id="1" dur="indefinite" restart="never" nodeType="tmRoot"/>
+        <p:cTn id="1" dur="indefinite" restart="never" nodeType="tmRoot"/>
       </p:par>
     </p:tnLst>
   </p:timing>
@@ -7223,7 +7223,7 @@
               <a:rPr lang="en-US" smtClean="0">
                 <a:latin typeface="Garamond" charset="0"/>
               </a:rPr>
-              <a:t>9/14/15</a:t>
+              <a:t>9/16/2015</a:t>
             </a:fld>
             <a:endParaRPr lang="en-US">
               <a:latin typeface="Garamond" charset="0"/>
@@ -7409,7 +7409,7 @@
   <p:timing>
     <p:tnLst>
       <p:par>
-        <p:cTn xmlns:p14="http://schemas.microsoft.com/office/powerpoint/2010/main" id="1" dur="indefinite" restart="never" nodeType="tmRoot"/>
+        <p:cTn id="1" dur="indefinite" restart="never" nodeType="tmRoot"/>
       </p:par>
     </p:tnLst>
   </p:timing>
@@ -7711,7 +7711,7 @@
               <a:rPr lang="en-US" smtClean="0">
                 <a:latin typeface="Garamond" charset="0"/>
               </a:rPr>
-              <a:t>9/14/15</a:t>
+              <a:t>9/16/2015</a:t>
             </a:fld>
             <a:endParaRPr lang="en-US">
               <a:latin typeface="Garamond" charset="0"/>
@@ -7897,7 +7897,7 @@
   <p:timing>
     <p:tnLst>
       <p:par>
-        <p:cTn xmlns:p14="http://schemas.microsoft.com/office/powerpoint/2010/main" id="1" dur="indefinite" restart="never" nodeType="tmRoot"/>
+        <p:cTn id="1" dur="indefinite" restart="never" nodeType="tmRoot"/>
       </p:par>
     </p:tnLst>
   </p:timing>
@@ -8145,7 +8145,7 @@
               <a:rPr lang="en-US" smtClean="0">
                 <a:latin typeface="Garamond" charset="0"/>
               </a:rPr>
-              <a:t>9/14/15</a:t>
+              <a:t>9/16/2015</a:t>
             </a:fld>
             <a:endParaRPr lang="en-US">
               <a:latin typeface="Garamond" charset="0"/>
@@ -8331,7 +8331,7 @@
   <p:timing>
     <p:tnLst>
       <p:par>
-        <p:cTn xmlns:p14="http://schemas.microsoft.com/office/powerpoint/2010/main" id="1" dur="indefinite" restart="never" nodeType="tmRoot"/>
+        <p:cTn id="1" dur="indefinite" restart="never" nodeType="tmRoot"/>
       </p:par>
     </p:tnLst>
   </p:timing>
@@ -8605,7 +8605,7 @@
               <a:rPr lang="en-US" smtClean="0">
                 <a:latin typeface="Garamond" charset="0"/>
               </a:rPr>
-              <a:t>9/14/15</a:t>
+              <a:t>9/16/2015</a:t>
             </a:fld>
             <a:endParaRPr lang="en-US">
               <a:latin typeface="Garamond" charset="0"/>
@@ -8791,7 +8791,7 @@
   <p:timing>
     <p:tnLst>
       <p:par>
-        <p:cTn xmlns:p14="http://schemas.microsoft.com/office/powerpoint/2010/main" id="1" dur="indefinite" restart="never" nodeType="tmRoot"/>
+        <p:cTn id="1" dur="indefinite" restart="never" nodeType="tmRoot"/>
       </p:par>
     </p:tnLst>
   </p:timing>
@@ -9062,7 +9062,7 @@
               <a:rPr lang="en-US" smtClean="0">
                 <a:latin typeface="Garamond" charset="0"/>
               </a:rPr>
-              <a:t>9/14/15</a:t>
+              <a:t>9/16/2015</a:t>
             </a:fld>
             <a:endParaRPr lang="en-US">
               <a:latin typeface="Garamond" charset="0"/>
@@ -9248,7 +9248,7 @@
   <p:timing>
     <p:tnLst>
       <p:par>
-        <p:cTn xmlns:p14="http://schemas.microsoft.com/office/powerpoint/2010/main" id="1" dur="indefinite" restart="never" nodeType="tmRoot"/>
+        <p:cTn id="1" dur="indefinite" restart="never" nodeType="tmRoot"/>
       </p:par>
     </p:tnLst>
   </p:timing>
@@ -9676,7 +9676,7 @@
               <a:rPr lang="en-US" smtClean="0">
                 <a:latin typeface="Garamond" charset="0"/>
               </a:rPr>
-              <a:t>9/14/15</a:t>
+              <a:t>9/16/2015</a:t>
             </a:fld>
             <a:endParaRPr lang="en-US">
               <a:latin typeface="Garamond" charset="0"/>
@@ -9862,7 +9862,7 @@
   <p:timing>
     <p:tnLst>
       <p:par>
-        <p:cTn xmlns:p14="http://schemas.microsoft.com/office/powerpoint/2010/main" id="1" dur="indefinite" restart="never" nodeType="tmRoot"/>
+        <p:cTn id="1" dur="indefinite" restart="never" nodeType="tmRoot"/>
       </p:par>
     </p:tnLst>
   </p:timing>
@@ -10519,7 +10519,7 @@
               <a:rPr lang="en-US" smtClean="0">
                 <a:latin typeface="Garamond" charset="0"/>
               </a:rPr>
-              <a:t>9/14/15</a:t>
+              <a:t>9/16/2015</a:t>
             </a:fld>
             <a:endParaRPr lang="en-US">
               <a:latin typeface="Garamond" charset="0"/>
@@ -10705,7 +10705,7 @@
   <p:timing>
     <p:tnLst>
       <p:par>
-        <p:cTn xmlns:p14="http://schemas.microsoft.com/office/powerpoint/2010/main" id="1" dur="indefinite" restart="never" nodeType="tmRoot"/>
+        <p:cTn id="1" dur="indefinite" restart="never" nodeType="tmRoot"/>
       </p:par>
     </p:tnLst>
   </p:timing>
@@ -10938,7 +10938,7 @@
               <a:rPr lang="en-US" smtClean="0">
                 <a:latin typeface="Garamond" charset="0"/>
               </a:rPr>
-              <a:t>9/14/15</a:t>
+              <a:t>9/16/2015</a:t>
             </a:fld>
             <a:endParaRPr lang="en-US">
               <a:latin typeface="Garamond" charset="0"/>
@@ -11353,14 +11353,14 @@
             <a:noFill/>
           </a:ln>
           <a:extLst>
-            <a:ext uri="{909E8E84-426E-40dd-AFC4-6F175D3DCCD1}">
+            <a:ext uri="{909E8E84-426E-40DD-AFC4-6F175D3DCCD1}">
               <a14:hiddenFill xmlns:a14="http://schemas.microsoft.com/office/drawing/2010/main">
                 <a:solidFill>
                   <a:srgbClr val="FFFFFF"/>
                 </a:solidFill>
               </a14:hiddenFill>
             </a:ext>
-            <a:ext uri="{91240B29-F687-4f45-9708-019B960494DF}">
+            <a:ext uri="{91240B29-F687-4F45-9708-019B960494DF}">
               <a14:hiddenLine xmlns:a14="http://schemas.microsoft.com/office/drawing/2010/main" w="9525">
                 <a:solidFill>
                   <a:srgbClr val="000000"/>
@@ -11497,14 +11497,14 @@
             <a:noFill/>
           </a:ln>
           <a:extLst>
-            <a:ext uri="{909E8E84-426E-40dd-AFC4-6F175D3DCCD1}">
+            <a:ext uri="{909E8E84-426E-40DD-AFC4-6F175D3DCCD1}">
               <a14:hiddenFill xmlns:a14="http://schemas.microsoft.com/office/drawing/2010/main">
                 <a:solidFill>
                   <a:srgbClr val="FFFFFF"/>
                 </a:solidFill>
               </a14:hiddenFill>
             </a:ext>
-            <a:ext uri="{91240B29-F687-4f45-9708-019B960494DF}">
+            <a:ext uri="{91240B29-F687-4F45-9708-019B960494DF}">
               <a14:hiddenLine xmlns:a14="http://schemas.microsoft.com/office/drawing/2010/main" w="9525">
                 <a:solidFill>
                   <a:srgbClr val="000000"/>
@@ -11641,14 +11641,14 @@
             <a:noFill/>
           </a:ln>
           <a:extLst>
-            <a:ext uri="{909E8E84-426E-40dd-AFC4-6F175D3DCCD1}">
+            <a:ext uri="{909E8E84-426E-40DD-AFC4-6F175D3DCCD1}">
               <a14:hiddenFill xmlns:a14="http://schemas.microsoft.com/office/drawing/2010/main">
                 <a:solidFill>
                   <a:srgbClr val="FFFFFF"/>
                 </a:solidFill>
               </a14:hiddenFill>
             </a:ext>
-            <a:ext uri="{91240B29-F687-4f45-9708-019B960494DF}">
+            <a:ext uri="{91240B29-F687-4F45-9708-019B960494DF}">
               <a14:hiddenLine xmlns:a14="http://schemas.microsoft.com/office/drawing/2010/main" w="9525">
                 <a:solidFill>
                   <a:srgbClr val="000000"/>
@@ -11785,14 +11785,14 @@
             <a:noFill/>
           </a:ln>
           <a:extLst>
-            <a:ext uri="{909E8E84-426E-40dd-AFC4-6F175D3DCCD1}">
+            <a:ext uri="{909E8E84-426E-40DD-AFC4-6F175D3DCCD1}">
               <a14:hiddenFill xmlns:a14="http://schemas.microsoft.com/office/drawing/2010/main">
                 <a:solidFill>
                   <a:srgbClr val="FFFFFF"/>
                 </a:solidFill>
               </a14:hiddenFill>
             </a:ext>
-            <a:ext uri="{91240B29-F687-4f45-9708-019B960494DF}">
+            <a:ext uri="{91240B29-F687-4F45-9708-019B960494DF}">
               <a14:hiddenLine xmlns:a14="http://schemas.microsoft.com/office/drawing/2010/main" w="9525">
                 <a:solidFill>
                   <a:srgbClr val="000000"/>
@@ -11929,14 +11929,14 @@
             <a:noFill/>
           </a:ln>
           <a:extLst>
-            <a:ext uri="{909E8E84-426E-40dd-AFC4-6F175D3DCCD1}">
+            <a:ext uri="{909E8E84-426E-40DD-AFC4-6F175D3DCCD1}">
               <a14:hiddenFill xmlns:a14="http://schemas.microsoft.com/office/drawing/2010/main">
                 <a:solidFill>
                   <a:srgbClr val="FFFFFF"/>
                 </a:solidFill>
               </a14:hiddenFill>
             </a:ext>
-            <a:ext uri="{91240B29-F687-4f45-9708-019B960494DF}">
+            <a:ext uri="{91240B29-F687-4F45-9708-019B960494DF}">
               <a14:hiddenLine xmlns:a14="http://schemas.microsoft.com/office/drawing/2010/main" w="9525">
                 <a:solidFill>
                   <a:srgbClr val="000000"/>
@@ -12073,14 +12073,14 @@
             <a:noFill/>
           </a:ln>
           <a:extLst>
-            <a:ext uri="{909E8E84-426E-40dd-AFC4-6F175D3DCCD1}">
+            <a:ext uri="{909E8E84-426E-40DD-AFC4-6F175D3DCCD1}">
               <a14:hiddenFill xmlns:a14="http://schemas.microsoft.com/office/drawing/2010/main">
                 <a:solidFill>
                   <a:srgbClr val="FFFFFF"/>
                 </a:solidFill>
               </a14:hiddenFill>
             </a:ext>
-            <a:ext uri="{91240B29-F687-4f45-9708-019B960494DF}">
+            <a:ext uri="{91240B29-F687-4F45-9708-019B960494DF}">
               <a14:hiddenLine xmlns:a14="http://schemas.microsoft.com/office/drawing/2010/main" w="9525">
                 <a:solidFill>
                   <a:srgbClr val="000000"/>
@@ -12204,7 +12204,7 @@
   <p:timing>
     <p:tnLst>
       <p:par>
-        <p:cTn xmlns:p14="http://schemas.microsoft.com/office/powerpoint/2010/main" id="1" dur="indefinite" restart="never" nodeType="tmRoot"/>
+        <p:cTn id="1" dur="indefinite" restart="never" nodeType="tmRoot"/>
       </p:par>
     </p:tnLst>
   </p:timing>
@@ -12283,7 +12283,7 @@
             <a:tailEnd/>
           </a:ln>
           <a:extLst>
-            <a:ext uri="{909E8E84-426E-40dd-AFC4-6F175D3DCCD1}">
+            <a:ext uri="{909E8E84-426E-40DD-AFC4-6F175D3DCCD1}">
               <a14:hiddenFill xmlns:a14="http://schemas.microsoft.com/office/drawing/2010/main">
                 <a:solidFill>
                   <a:srgbClr val="FFFFFF"/>
@@ -12337,7 +12337,7 @@
             <a:tailEnd/>
           </a:ln>
           <a:extLst>
-            <a:ext uri="{909E8E84-426E-40dd-AFC4-6F175D3DCCD1}">
+            <a:ext uri="{909E8E84-426E-40DD-AFC4-6F175D3DCCD1}">
               <a14:hiddenFill xmlns:a14="http://schemas.microsoft.com/office/drawing/2010/main">
                 <a:solidFill>
                   <a:srgbClr val="FFFFFF"/>
@@ -12391,7 +12391,7 @@
             <a:tailEnd/>
           </a:ln>
           <a:extLst>
-            <a:ext uri="{909E8E84-426E-40dd-AFC4-6F175D3DCCD1}">
+            <a:ext uri="{909E8E84-426E-40DD-AFC4-6F175D3DCCD1}">
               <a14:hiddenFill xmlns:a14="http://schemas.microsoft.com/office/drawing/2010/main">
                 <a:solidFill>
                   <a:srgbClr val="FFFFFF"/>
@@ -12438,7 +12438,7 @@
             <a:tailEnd/>
           </a:ln>
           <a:extLst>
-            <a:ext uri="{909E8E84-426E-40dd-AFC4-6F175D3DCCD1}">
+            <a:ext uri="{909E8E84-426E-40DD-AFC4-6F175D3DCCD1}">
               <a14:hiddenFill xmlns:a14="http://schemas.microsoft.com/office/drawing/2010/main">
                 <a:solidFill>
                   <a:srgbClr val="FFFFFF"/>
@@ -12485,7 +12485,7 @@
             <a:tailEnd type="triangle" w="med" len="med"/>
           </a:ln>
           <a:extLst>
-            <a:ext uri="{909E8E84-426E-40dd-AFC4-6F175D3DCCD1}">
+            <a:ext uri="{909E8E84-426E-40DD-AFC4-6F175D3DCCD1}">
               <a14:hiddenFill xmlns:a14="http://schemas.microsoft.com/office/drawing/2010/main">
                 <a:noFill/>
               </a14:hiddenFill>
@@ -12526,7 +12526,7 @@
             <a:tailEnd type="triangle" w="med" len="med"/>
           </a:ln>
           <a:extLst>
-            <a:ext uri="{909E8E84-426E-40dd-AFC4-6F175D3DCCD1}">
+            <a:ext uri="{909E8E84-426E-40DD-AFC4-6F175D3DCCD1}">
               <a14:hiddenFill xmlns:a14="http://schemas.microsoft.com/office/drawing/2010/main">
                 <a:noFill/>
               </a14:hiddenFill>
@@ -12567,7 +12567,7 @@
             <a:tailEnd type="triangle" w="med" len="med"/>
           </a:ln>
           <a:extLst>
-            <a:ext uri="{909E8E84-426E-40dd-AFC4-6F175D3DCCD1}">
+            <a:ext uri="{909E8E84-426E-40DD-AFC4-6F175D3DCCD1}">
               <a14:hiddenFill xmlns:a14="http://schemas.microsoft.com/office/drawing/2010/main">
                 <a:noFill/>
               </a14:hiddenFill>
@@ -12608,7 +12608,7 @@
             <a:tailEnd type="triangle" w="med" len="med"/>
           </a:ln>
           <a:extLst>
-            <a:ext uri="{909E8E84-426E-40dd-AFC4-6F175D3DCCD1}">
+            <a:ext uri="{909E8E84-426E-40DD-AFC4-6F175D3DCCD1}">
               <a14:hiddenFill xmlns:a14="http://schemas.microsoft.com/office/drawing/2010/main">
                 <a:noFill/>
               </a14:hiddenFill>
@@ -12758,7 +12758,7 @@
               <a:rPr lang="en-US" smtClean="0">
                 <a:latin typeface="Garamond" charset="0"/>
               </a:rPr>
-              <a:t>9/14/15</a:t>
+              <a:t>9/16/2015</a:t>
             </a:fld>
             <a:endParaRPr lang="en-US">
               <a:latin typeface="Garamond" charset="0"/>
@@ -12945,7 +12945,7 @@
           <p:nvPr/>
         </p:nvPicPr>
         <p:blipFill>
-          <a:blip r:embed="rId2">
+          <a:blip r:embed="rId2" cstate="email">
             <a:extLst>
               <a:ext uri="{28A0092B-C50C-407E-A947-70E740481C1C}">
                 <a14:useLocalDpi xmlns:a14="http://schemas.microsoft.com/office/drawing/2010/main" val="0"/>
@@ -12970,14 +12970,14 @@
             <a:noFill/>
           </a:ln>
           <a:extLst>
-            <a:ext uri="{909E8E84-426E-40dd-AFC4-6F175D3DCCD1}">
+            <a:ext uri="{909E8E84-426E-40DD-AFC4-6F175D3DCCD1}">
               <a14:hiddenFill xmlns:a14="http://schemas.microsoft.com/office/drawing/2010/main">
                 <a:solidFill>
                   <a:srgbClr val="FFFFFF"/>
                 </a:solidFill>
               </a14:hiddenFill>
             </a:ext>
-            <a:ext uri="{91240B29-F687-4f45-9708-019B960494DF}">
+            <a:ext uri="{91240B29-F687-4F45-9708-019B960494DF}">
               <a14:hiddenLine xmlns:a14="http://schemas.microsoft.com/office/drawing/2010/main" w="9525">
                 <a:solidFill>
                   <a:srgbClr val="000000"/>
@@ -12998,7 +12998,7 @@
   <p:timing>
     <p:tnLst>
       <p:par>
-        <p:cTn xmlns:p14="http://schemas.microsoft.com/office/powerpoint/2010/main" id="1" dur="indefinite" restart="never" nodeType="tmRoot"/>
+        <p:cTn id="1" dur="indefinite" restart="never" nodeType="tmRoot"/>
       </p:par>
     </p:tnLst>
   </p:timing>
@@ -13048,7 +13048,7 @@
             <a:tailEnd/>
           </a:ln>
           <a:extLst>
-            <a:ext uri="{909E8E84-426E-40dd-AFC4-6F175D3DCCD1}">
+            <a:ext uri="{909E8E84-426E-40DD-AFC4-6F175D3DCCD1}">
               <a14:hiddenFill xmlns:a14="http://schemas.microsoft.com/office/drawing/2010/main">
                 <a:solidFill>
                   <a:srgbClr val="FFFFFF"/>
@@ -13092,7 +13092,7 @@
             <a:tailEnd/>
           </a:ln>
           <a:extLst>
-            <a:ext uri="{909E8E84-426E-40dd-AFC4-6F175D3DCCD1}">
+            <a:ext uri="{909E8E84-426E-40DD-AFC4-6F175D3DCCD1}">
               <a14:hiddenFill xmlns:a14="http://schemas.microsoft.com/office/drawing/2010/main">
                 <a:solidFill>
                   <a:srgbClr val="FFFFFF"/>
@@ -13135,7 +13135,7 @@
             <a:tailEnd/>
           </a:ln>
           <a:extLst>
-            <a:ext uri="{909E8E84-426E-40dd-AFC4-6F175D3DCCD1}">
+            <a:ext uri="{909E8E84-426E-40DD-AFC4-6F175D3DCCD1}">
               <a14:hiddenFill xmlns:a14="http://schemas.microsoft.com/office/drawing/2010/main">
                 <a:solidFill>
                   <a:srgbClr val="FFFFFF"/>
@@ -13190,7 +13190,7 @@
         <p:nvGraphicFramePr>
           <p:cNvPr id="13318" name="Object 2"/>
           <p:cNvGraphicFramePr>
-            <a:graphicFrameLocks noChangeAspect="1"/>
+            <a:graphicFrameLocks noGrp="1" noChangeAspect="1"/>
           </p:cNvGraphicFramePr>
           <p:nvPr>
             <p:ph sz="quarter" idx="1"/>
@@ -13204,7 +13204,7 @@
           <a:graphicData uri="http://schemas.openxmlformats.org/presentationml/2006/ole">
             <mc:AlternateContent xmlns:mc="http://schemas.openxmlformats.org/markup-compatibility/2006">
               <mc:Choice xmlns:v="urn:schemas-microsoft-com:vml" Requires="v">
-                <p:oleObj spid="_x0000_s13376" name="Equation" r:id="rId3" imgW="571252" imgH="393529" progId="Equation.3">
+                <p:oleObj spid="_x0000_s13380" name="Equation" r:id="rId3" imgW="571252" imgH="393529" progId="Equation.3">
                   <p:embed/>
                 </p:oleObj>
               </mc:Choice>
@@ -13245,14 +13245,14 @@
                         <a:noFill/>
                       </a:ln>
                       <a:extLst>
-                        <a:ext uri="{909E8E84-426E-40dd-AFC4-6F175D3DCCD1}">
+                        <a:ext uri="{909E8E84-426E-40DD-AFC4-6F175D3DCCD1}">
                           <a14:hiddenFill xmlns:a14="http://schemas.microsoft.com/office/drawing/2010/main">
                             <a:solidFill>
                               <a:srgbClr val="FFFFFF"/>
                             </a:solidFill>
                           </a14:hiddenFill>
                         </a:ext>
-                        <a:ext uri="{91240B29-F687-4f45-9708-019B960494DF}">
+                        <a:ext uri="{91240B29-F687-4F45-9708-019B960494DF}">
                           <a14:hiddenLine xmlns:a14="http://schemas.microsoft.com/office/drawing/2010/main" w="9525">
                             <a:solidFill>
                               <a:srgbClr val="000000"/>
@@ -13275,7 +13275,7 @@
         <p:nvGraphicFramePr>
           <p:cNvPr id="13319" name="Object 3"/>
           <p:cNvGraphicFramePr>
-            <a:graphicFrameLocks noChangeAspect="1"/>
+            <a:graphicFrameLocks noGrp="1" noChangeAspect="1"/>
           </p:cNvGraphicFramePr>
           <p:nvPr>
             <p:ph sz="quarter" idx="3"/>
@@ -13289,7 +13289,7 @@
           <a:graphicData uri="http://schemas.openxmlformats.org/presentationml/2006/ole">
             <mc:AlternateContent xmlns:mc="http://schemas.openxmlformats.org/markup-compatibility/2006">
               <mc:Choice xmlns:v="urn:schemas-microsoft-com:vml" Requires="v">
-                <p:oleObj spid="_x0000_s13377" name="Equation" r:id="rId5" imgW="2463800" imgH="431800" progId="Equation.3">
+                <p:oleObj spid="_x0000_s13381" name="Equation" r:id="rId5" imgW="2463800" imgH="431800" progId="Equation.3">
                   <p:embed/>
                 </p:oleObj>
               </mc:Choice>
@@ -13331,14 +13331,14 @@
                       </a:ln>
                       <a:effectLst/>
                       <a:extLst>
-                        <a:ext uri="{909E8E84-426E-40dd-AFC4-6F175D3DCCD1}">
+                        <a:ext uri="{909E8E84-426E-40DD-AFC4-6F175D3DCCD1}">
                           <a14:hiddenFill xmlns:a14="http://schemas.microsoft.com/office/drawing/2010/main">
                             <a:solidFill>
                               <a:srgbClr val="FFFFFF"/>
                             </a:solidFill>
                           </a14:hiddenFill>
                         </a:ext>
-                        <a:ext uri="{91240B29-F687-4f45-9708-019B960494DF}">
+                        <a:ext uri="{91240B29-F687-4F45-9708-019B960494DF}">
                           <a14:hiddenLine xmlns:a14="http://schemas.microsoft.com/office/drawing/2010/main" w="9525">
                             <a:solidFill>
                               <a:srgbClr val="000000"/>
@@ -13348,7 +13348,7 @@
                             <a:tailEnd/>
                           </a14:hiddenLine>
                         </a:ext>
-                        <a:ext uri="{AF507438-7753-43e0-B8FC-AC1667EBCBE1}">
+                        <a:ext uri="{AF507438-7753-43E0-B8FC-AC1667EBCBE1}">
                           <a14:hiddenEffects xmlns:a14="http://schemas.microsoft.com/office/drawing/2010/main">
                             <a:effectLst>
                               <a:outerShdw dist="35921" dir="2700000" algn="ctr" rotWithShape="0">
@@ -13370,7 +13370,7 @@
         <p:nvGraphicFramePr>
           <p:cNvPr id="13320" name="Object 4"/>
           <p:cNvGraphicFramePr>
-            <a:graphicFrameLocks noChangeAspect="1"/>
+            <a:graphicFrameLocks noGrp="1" noChangeAspect="1"/>
           </p:cNvGraphicFramePr>
           <p:nvPr>
             <p:ph sz="quarter" idx="4"/>
@@ -13384,7 +13384,7 @@
           <a:graphicData uri="http://schemas.openxmlformats.org/presentationml/2006/ole">
             <mc:AlternateContent xmlns:mc="http://schemas.openxmlformats.org/markup-compatibility/2006">
               <mc:Choice xmlns:v="urn:schemas-microsoft-com:vml" Requires="v">
-                <p:oleObj spid="_x0000_s13378" name="Equation" r:id="rId7" imgW="2222500" imgH="431800" progId="Equation.3">
+                <p:oleObj spid="_x0000_s13382" name="Equation" r:id="rId7" imgW="2222500" imgH="431800" progId="Equation.3">
                   <p:embed/>
                 </p:oleObj>
               </mc:Choice>
@@ -13425,14 +13425,14 @@
                         <a:noFill/>
                       </a:ln>
                       <a:extLst>
-                        <a:ext uri="{909E8E84-426E-40dd-AFC4-6F175D3DCCD1}">
+                        <a:ext uri="{909E8E84-426E-40DD-AFC4-6F175D3DCCD1}">
                           <a14:hiddenFill xmlns:a14="http://schemas.microsoft.com/office/drawing/2010/main">
                             <a:solidFill>
                               <a:srgbClr val="FFFFFF"/>
                             </a:solidFill>
                           </a14:hiddenFill>
                         </a:ext>
-                        <a:ext uri="{91240B29-F687-4f45-9708-019B960494DF}">
+                        <a:ext uri="{91240B29-F687-4F45-9708-019B960494DF}">
                           <a14:hiddenLine xmlns:a14="http://schemas.microsoft.com/office/drawing/2010/main" w="9525">
                             <a:solidFill>
                               <a:srgbClr val="000000"/>
@@ -13477,7 +13477,7 @@
             <a:tailEnd type="triangle" w="med" len="med"/>
           </a:ln>
           <a:extLst>
-            <a:ext uri="{909E8E84-426E-40dd-AFC4-6F175D3DCCD1}">
+            <a:ext uri="{909E8E84-426E-40DD-AFC4-6F175D3DCCD1}">
               <a14:hiddenFill xmlns:a14="http://schemas.microsoft.com/office/drawing/2010/main">
                 <a:noFill/>
               </a14:hiddenFill>
@@ -13518,7 +13518,7 @@
             <a:tailEnd/>
           </a:ln>
           <a:extLst>
-            <a:ext uri="{909E8E84-426E-40dd-AFC4-6F175D3DCCD1}">
+            <a:ext uri="{909E8E84-426E-40DD-AFC4-6F175D3DCCD1}">
               <a14:hiddenFill xmlns:a14="http://schemas.microsoft.com/office/drawing/2010/main">
                 <a:solidFill>
                   <a:srgbClr val="FFFFFF"/>
@@ -13565,7 +13565,7 @@
             <a:tailEnd type="triangle" w="med" len="med"/>
           </a:ln>
           <a:extLst>
-            <a:ext uri="{909E8E84-426E-40dd-AFC4-6F175D3DCCD1}">
+            <a:ext uri="{909E8E84-426E-40DD-AFC4-6F175D3DCCD1}">
               <a14:hiddenFill xmlns:a14="http://schemas.microsoft.com/office/drawing/2010/main">
                 <a:noFill/>
               </a14:hiddenFill>
@@ -13606,7 +13606,7 @@
             <a:tailEnd type="triangle" w="med" len="med"/>
           </a:ln>
           <a:extLst>
-            <a:ext uri="{909E8E84-426E-40dd-AFC4-6F175D3DCCD1}">
+            <a:ext uri="{909E8E84-426E-40DD-AFC4-6F175D3DCCD1}">
               <a14:hiddenFill xmlns:a14="http://schemas.microsoft.com/office/drawing/2010/main">
                 <a:noFill/>
               </a14:hiddenFill>
@@ -13642,14 +13642,14 @@
             <a:noFill/>
           </a:ln>
           <a:extLst>
-            <a:ext uri="{909E8E84-426E-40dd-AFC4-6F175D3DCCD1}">
+            <a:ext uri="{909E8E84-426E-40DD-AFC4-6F175D3DCCD1}">
               <a14:hiddenFill xmlns:a14="http://schemas.microsoft.com/office/drawing/2010/main">
                 <a:solidFill>
                   <a:srgbClr val="FFFFFF"/>
                 </a:solidFill>
               </a14:hiddenFill>
             </a:ext>
-            <a:ext uri="{91240B29-F687-4f45-9708-019B960494DF}">
+            <a:ext uri="{91240B29-F687-4F45-9708-019B960494DF}">
               <a14:hiddenLine xmlns:a14="http://schemas.microsoft.com/office/drawing/2010/main" w="9525">
                 <a:solidFill>
                   <a:srgbClr val="000000"/>
@@ -13786,14 +13786,14 @@
             <a:noFill/>
           </a:ln>
           <a:extLst>
-            <a:ext uri="{909E8E84-426E-40dd-AFC4-6F175D3DCCD1}">
+            <a:ext uri="{909E8E84-426E-40DD-AFC4-6F175D3DCCD1}">
               <a14:hiddenFill xmlns:a14="http://schemas.microsoft.com/office/drawing/2010/main">
                 <a:solidFill>
                   <a:srgbClr val="FFFFFF"/>
                 </a:solidFill>
               </a14:hiddenFill>
             </a:ext>
-            <a:ext uri="{91240B29-F687-4f45-9708-019B960494DF}">
+            <a:ext uri="{91240B29-F687-4F45-9708-019B960494DF}">
               <a14:hiddenLine xmlns:a14="http://schemas.microsoft.com/office/drawing/2010/main" w="9525">
                 <a:solidFill>
                   <a:srgbClr val="000000"/>
@@ -13935,7 +13935,7 @@
             <a:tailEnd/>
           </a:ln>
           <a:extLst>
-            <a:ext uri="{909E8E84-426E-40dd-AFC4-6F175D3DCCD1}">
+            <a:ext uri="{909E8E84-426E-40DD-AFC4-6F175D3DCCD1}">
               <a14:hiddenFill xmlns:a14="http://schemas.microsoft.com/office/drawing/2010/main">
                 <a:solidFill>
                   <a:srgbClr val="FFFFFF"/>
@@ -13979,7 +13979,7 @@
             <a:tailEnd/>
           </a:ln>
           <a:extLst>
-            <a:ext uri="{909E8E84-426E-40dd-AFC4-6F175D3DCCD1}">
+            <a:ext uri="{909E8E84-426E-40DD-AFC4-6F175D3DCCD1}">
               <a14:hiddenFill xmlns:a14="http://schemas.microsoft.com/office/drawing/2010/main">
                 <a:solidFill>
                   <a:srgbClr val="FFFFFF"/>
@@ -14026,7 +14026,7 @@
             <a:tailEnd/>
           </a:ln>
           <a:extLst>
-            <a:ext uri="{909E8E84-426E-40dd-AFC4-6F175D3DCCD1}">
+            <a:ext uri="{909E8E84-426E-40DD-AFC4-6F175D3DCCD1}">
               <a14:hiddenFill xmlns:a14="http://schemas.microsoft.com/office/drawing/2010/main">
                 <a:solidFill>
                   <a:srgbClr val="FFFFFF"/>
@@ -14080,7 +14080,7 @@
             <a:tailEnd/>
           </a:ln>
           <a:extLst>
-            <a:ext uri="{909E8E84-426E-40dd-AFC4-6F175D3DCCD1}">
+            <a:ext uri="{909E8E84-426E-40DD-AFC4-6F175D3DCCD1}">
               <a14:hiddenFill xmlns:a14="http://schemas.microsoft.com/office/drawing/2010/main">
                 <a:solidFill>
                   <a:srgbClr val="FFFFFF"/>
@@ -14127,7 +14127,7 @@
             <a:tailEnd type="triangle" w="med" len="med"/>
           </a:ln>
           <a:extLst>
-            <a:ext uri="{909E8E84-426E-40dd-AFC4-6F175D3DCCD1}">
+            <a:ext uri="{909E8E84-426E-40DD-AFC4-6F175D3DCCD1}">
               <a14:hiddenFill xmlns:a14="http://schemas.microsoft.com/office/drawing/2010/main">
                 <a:noFill/>
               </a14:hiddenFill>
@@ -14168,7 +14168,7 @@
             <a:tailEnd type="triangle" w="med" len="med"/>
           </a:ln>
           <a:extLst>
-            <a:ext uri="{909E8E84-426E-40dd-AFC4-6F175D3DCCD1}">
+            <a:ext uri="{909E8E84-426E-40DD-AFC4-6F175D3DCCD1}">
               <a14:hiddenFill xmlns:a14="http://schemas.microsoft.com/office/drawing/2010/main">
                 <a:noFill/>
               </a14:hiddenFill>
@@ -14204,14 +14204,14 @@
             <a:noFill/>
           </a:ln>
           <a:extLst>
-            <a:ext uri="{909E8E84-426E-40dd-AFC4-6F175D3DCCD1}">
+            <a:ext uri="{909E8E84-426E-40DD-AFC4-6F175D3DCCD1}">
               <a14:hiddenFill xmlns:a14="http://schemas.microsoft.com/office/drawing/2010/main">
                 <a:solidFill>
                   <a:srgbClr val="FFFFFF"/>
                 </a:solidFill>
               </a14:hiddenFill>
             </a:ext>
-            <a:ext uri="{91240B29-F687-4f45-9708-019B960494DF}">
+            <a:ext uri="{91240B29-F687-4F45-9708-019B960494DF}">
               <a14:hiddenLine xmlns:a14="http://schemas.microsoft.com/office/drawing/2010/main" w="9525">
                 <a:solidFill>
                   <a:srgbClr val="000000"/>
@@ -14348,14 +14348,14 @@
             <a:noFill/>
           </a:ln>
           <a:extLst>
-            <a:ext uri="{909E8E84-426E-40dd-AFC4-6F175D3DCCD1}">
+            <a:ext uri="{909E8E84-426E-40DD-AFC4-6F175D3DCCD1}">
               <a14:hiddenFill xmlns:a14="http://schemas.microsoft.com/office/drawing/2010/main">
                 <a:solidFill>
                   <a:srgbClr val="FFFFFF"/>
                 </a:solidFill>
               </a14:hiddenFill>
             </a:ext>
-            <a:ext uri="{91240B29-F687-4f45-9708-019B960494DF}">
+            <a:ext uri="{91240B29-F687-4F45-9708-019B960494DF}">
               <a14:hiddenLine xmlns:a14="http://schemas.microsoft.com/office/drawing/2010/main" w="9525">
                 <a:solidFill>
                   <a:srgbClr val="000000"/>
@@ -14497,7 +14497,7 @@
             <a:tailEnd/>
           </a:ln>
           <a:extLst>
-            <a:ext uri="{909E8E84-426E-40dd-AFC4-6F175D3DCCD1}">
+            <a:ext uri="{909E8E84-426E-40DD-AFC4-6F175D3DCCD1}">
               <a14:hiddenFill xmlns:a14="http://schemas.microsoft.com/office/drawing/2010/main">
                 <a:solidFill>
                   <a:srgbClr val="FFFFFF"/>
@@ -14544,7 +14544,7 @@
             <a:tailEnd type="triangle" w="med" len="med"/>
           </a:ln>
           <a:extLst>
-            <a:ext uri="{909E8E84-426E-40dd-AFC4-6F175D3DCCD1}">
+            <a:ext uri="{909E8E84-426E-40DD-AFC4-6F175D3DCCD1}">
               <a14:hiddenFill xmlns:a14="http://schemas.microsoft.com/office/drawing/2010/main">
                 <a:noFill/>
               </a14:hiddenFill>
@@ -14585,7 +14585,7 @@
             <a:tailEnd type="triangle" w="med" len="med"/>
           </a:ln>
           <a:extLst>
-            <a:ext uri="{909E8E84-426E-40dd-AFC4-6F175D3DCCD1}">
+            <a:ext uri="{909E8E84-426E-40DD-AFC4-6F175D3DCCD1}">
               <a14:hiddenFill xmlns:a14="http://schemas.microsoft.com/office/drawing/2010/main">
                 <a:noFill/>
               </a14:hiddenFill>
@@ -14621,14 +14621,14 @@
             <a:noFill/>
           </a:ln>
           <a:extLst>
-            <a:ext uri="{909E8E84-426E-40dd-AFC4-6F175D3DCCD1}">
+            <a:ext uri="{909E8E84-426E-40DD-AFC4-6F175D3DCCD1}">
               <a14:hiddenFill xmlns:a14="http://schemas.microsoft.com/office/drawing/2010/main">
                 <a:solidFill>
                   <a:srgbClr val="FFFFFF"/>
                 </a:solidFill>
               </a14:hiddenFill>
             </a:ext>
-            <a:ext uri="{91240B29-F687-4f45-9708-019B960494DF}">
+            <a:ext uri="{91240B29-F687-4F45-9708-019B960494DF}">
               <a14:hiddenLine xmlns:a14="http://schemas.microsoft.com/office/drawing/2010/main" w="9525">
                 <a:solidFill>
                   <a:srgbClr val="000000"/>
@@ -14765,14 +14765,14 @@
             <a:noFill/>
           </a:ln>
           <a:extLst>
-            <a:ext uri="{909E8E84-426E-40dd-AFC4-6F175D3DCCD1}">
+            <a:ext uri="{909E8E84-426E-40DD-AFC4-6F175D3DCCD1}">
               <a14:hiddenFill xmlns:a14="http://schemas.microsoft.com/office/drawing/2010/main">
                 <a:solidFill>
                   <a:srgbClr val="FFFFFF"/>
                 </a:solidFill>
               </a14:hiddenFill>
             </a:ext>
-            <a:ext uri="{91240B29-F687-4f45-9708-019B960494DF}">
+            <a:ext uri="{91240B29-F687-4F45-9708-019B960494DF}">
               <a14:hiddenLine xmlns:a14="http://schemas.microsoft.com/office/drawing/2010/main" w="9525">
                 <a:solidFill>
                   <a:srgbClr val="000000"/>
@@ -14914,7 +14914,7 @@
             <a:tailEnd type="triangle" w="med" len="med"/>
           </a:ln>
           <a:extLst>
-            <a:ext uri="{909E8E84-426E-40dd-AFC4-6F175D3DCCD1}">
+            <a:ext uri="{909E8E84-426E-40DD-AFC4-6F175D3DCCD1}">
               <a14:hiddenFill xmlns:a14="http://schemas.microsoft.com/office/drawing/2010/main">
                 <a:noFill/>
               </a14:hiddenFill>
@@ -14955,7 +14955,7 @@
             <a:tailEnd/>
           </a:ln>
           <a:extLst>
-            <a:ext uri="{909E8E84-426E-40dd-AFC4-6F175D3DCCD1}">
+            <a:ext uri="{909E8E84-426E-40DD-AFC4-6F175D3DCCD1}">
               <a14:hiddenFill xmlns:a14="http://schemas.microsoft.com/office/drawing/2010/main">
                 <a:solidFill>
                   <a:srgbClr val="FFFFFF"/>
@@ -15009,7 +15009,7 @@
             <a:tailEnd/>
           </a:ln>
           <a:extLst>
-            <a:ext uri="{909E8E84-426E-40dd-AFC4-6F175D3DCCD1}">
+            <a:ext uri="{909E8E84-426E-40DD-AFC4-6F175D3DCCD1}">
               <a14:hiddenFill xmlns:a14="http://schemas.microsoft.com/office/drawing/2010/main">
                 <a:solidFill>
                   <a:srgbClr val="FFFFFF"/>
@@ -15063,7 +15063,7 @@
             <a:tailEnd type="triangle" w="med" len="med"/>
           </a:ln>
           <a:extLst>
-            <a:ext uri="{909E8E84-426E-40dd-AFC4-6F175D3DCCD1}">
+            <a:ext uri="{909E8E84-426E-40DD-AFC4-6F175D3DCCD1}">
               <a14:hiddenFill xmlns:a14="http://schemas.microsoft.com/office/drawing/2010/main">
                 <a:noFill/>
               </a14:hiddenFill>
@@ -15104,7 +15104,7 @@
             <a:tailEnd type="triangle" w="med" len="med"/>
           </a:ln>
           <a:extLst>
-            <a:ext uri="{909E8E84-426E-40dd-AFC4-6F175D3DCCD1}">
+            <a:ext uri="{909E8E84-426E-40DD-AFC4-6F175D3DCCD1}">
               <a14:hiddenFill xmlns:a14="http://schemas.microsoft.com/office/drawing/2010/main">
                 <a:noFill/>
               </a14:hiddenFill>
@@ -15145,7 +15145,7 @@
             <a:tailEnd type="triangle" w="med" len="med"/>
           </a:ln>
           <a:extLst>
-            <a:ext uri="{909E8E84-426E-40dd-AFC4-6F175D3DCCD1}">
+            <a:ext uri="{909E8E84-426E-40DD-AFC4-6F175D3DCCD1}">
               <a14:hiddenFill xmlns:a14="http://schemas.microsoft.com/office/drawing/2010/main">
                 <a:noFill/>
               </a14:hiddenFill>
@@ -15186,7 +15186,7 @@
             <a:tailEnd type="triangle" w="med" len="med"/>
           </a:ln>
           <a:extLst>
-            <a:ext uri="{909E8E84-426E-40dd-AFC4-6F175D3DCCD1}">
+            <a:ext uri="{909E8E84-426E-40DD-AFC4-6F175D3DCCD1}">
               <a14:hiddenFill xmlns:a14="http://schemas.microsoft.com/office/drawing/2010/main">
                 <a:noFill/>
               </a14:hiddenFill>
@@ -15227,7 +15227,7 @@
             <a:tailEnd/>
           </a:ln>
           <a:extLst>
-            <a:ext uri="{909E8E84-426E-40dd-AFC4-6F175D3DCCD1}">
+            <a:ext uri="{909E8E84-426E-40DD-AFC4-6F175D3DCCD1}">
               <a14:hiddenFill xmlns:a14="http://schemas.microsoft.com/office/drawing/2010/main">
                 <a:solidFill>
                   <a:srgbClr val="FFFFFF"/>
@@ -15288,7 +15288,7 @@
             <a:tailEnd type="triangle" w="med" len="med"/>
           </a:ln>
           <a:extLst>
-            <a:ext uri="{909E8E84-426E-40dd-AFC4-6F175D3DCCD1}">
+            <a:ext uri="{909E8E84-426E-40DD-AFC4-6F175D3DCCD1}">
               <a14:hiddenFill xmlns:a14="http://schemas.microsoft.com/office/drawing/2010/main">
                 <a:noFill/>
               </a14:hiddenFill>
@@ -15329,7 +15329,7 @@
             <a:tailEnd type="triangle" w="med" len="med"/>
           </a:ln>
           <a:extLst>
-            <a:ext uri="{909E8E84-426E-40dd-AFC4-6F175D3DCCD1}">
+            <a:ext uri="{909E8E84-426E-40DD-AFC4-6F175D3DCCD1}">
               <a14:hiddenFill xmlns:a14="http://schemas.microsoft.com/office/drawing/2010/main">
                 <a:noFill/>
               </a14:hiddenFill>
@@ -15370,7 +15370,7 @@
             <a:tailEnd type="triangle" w="med" len="med"/>
           </a:ln>
           <a:extLst>
-            <a:ext uri="{909E8E84-426E-40dd-AFC4-6F175D3DCCD1}">
+            <a:ext uri="{909E8E84-426E-40DD-AFC4-6F175D3DCCD1}">
               <a14:hiddenFill xmlns:a14="http://schemas.microsoft.com/office/drawing/2010/main">
                 <a:noFill/>
               </a14:hiddenFill>
@@ -15411,7 +15411,7 @@
             <a:tailEnd type="triangle" w="med" len="med"/>
           </a:ln>
           <a:extLst>
-            <a:ext uri="{909E8E84-426E-40dd-AFC4-6F175D3DCCD1}">
+            <a:ext uri="{909E8E84-426E-40DD-AFC4-6F175D3DCCD1}">
               <a14:hiddenFill xmlns:a14="http://schemas.microsoft.com/office/drawing/2010/main">
                 <a:noFill/>
               </a14:hiddenFill>
@@ -15452,7 +15452,7 @@
             <a:tailEnd type="triangle" w="med" len="med"/>
           </a:ln>
           <a:extLst>
-            <a:ext uri="{909E8E84-426E-40dd-AFC4-6F175D3DCCD1}">
+            <a:ext uri="{909E8E84-426E-40DD-AFC4-6F175D3DCCD1}">
               <a14:hiddenFill xmlns:a14="http://schemas.microsoft.com/office/drawing/2010/main">
                 <a:noFill/>
               </a14:hiddenFill>
@@ -15493,7 +15493,7 @@
             <a:tailEnd type="triangle" w="med" len="med"/>
           </a:ln>
           <a:extLst>
-            <a:ext uri="{909E8E84-426E-40dd-AFC4-6F175D3DCCD1}">
+            <a:ext uri="{909E8E84-426E-40DD-AFC4-6F175D3DCCD1}">
               <a14:hiddenFill xmlns:a14="http://schemas.microsoft.com/office/drawing/2010/main">
                 <a:noFill/>
               </a14:hiddenFill>
@@ -15534,7 +15534,7 @@
             <a:tailEnd/>
           </a:ln>
           <a:extLst>
-            <a:ext uri="{909E8E84-426E-40dd-AFC4-6F175D3DCCD1}">
+            <a:ext uri="{909E8E84-426E-40DD-AFC4-6F175D3DCCD1}">
               <a14:hiddenFill xmlns:a14="http://schemas.microsoft.com/office/drawing/2010/main">
                 <a:solidFill>
                   <a:srgbClr val="FFFFFF"/>
@@ -15559,7 +15559,7 @@
         <p:nvGraphicFramePr>
           <p:cNvPr id="13355" name="Object 5"/>
           <p:cNvGraphicFramePr>
-            <a:graphicFrameLocks noChangeAspect="1"/>
+            <a:graphicFrameLocks noGrp="1" noChangeAspect="1"/>
           </p:cNvGraphicFramePr>
           <p:nvPr>
             <p:ph sz="quarter" idx="2"/>
@@ -15573,7 +15573,7 @@
           <a:graphicData uri="http://schemas.openxmlformats.org/presentationml/2006/ole">
             <mc:AlternateContent xmlns:mc="http://schemas.openxmlformats.org/markup-compatibility/2006">
               <mc:Choice xmlns:v="urn:schemas-microsoft-com:vml" Requires="v">
-                <p:oleObj spid="_x0000_s13379" name="Equation" r:id="rId9" imgW="571252" imgH="393529" progId="Equation.3">
+                <p:oleObj spid="_x0000_s13383" name="Equation" r:id="rId9" imgW="571252" imgH="393529" progId="Equation.3">
                   <p:embed/>
                 </p:oleObj>
               </mc:Choice>
@@ -15615,14 +15615,14 @@
                       </a:ln>
                       <a:effectLst/>
                       <a:extLst>
-                        <a:ext uri="{909E8E84-426E-40dd-AFC4-6F175D3DCCD1}">
+                        <a:ext uri="{909E8E84-426E-40DD-AFC4-6F175D3DCCD1}">
                           <a14:hiddenFill xmlns:a14="http://schemas.microsoft.com/office/drawing/2010/main">
                             <a:solidFill>
                               <a:srgbClr val="FFFFFF"/>
                             </a:solidFill>
                           </a14:hiddenFill>
                         </a:ext>
-                        <a:ext uri="{91240B29-F687-4f45-9708-019B960494DF}">
+                        <a:ext uri="{91240B29-F687-4F45-9708-019B960494DF}">
                           <a14:hiddenLine xmlns:a14="http://schemas.microsoft.com/office/drawing/2010/main" w="9525">
                             <a:solidFill>
                               <a:srgbClr val="000000"/>
@@ -15632,7 +15632,7 @@
                             <a:tailEnd/>
                           </a14:hiddenLine>
                         </a:ext>
-                        <a:ext uri="{AF507438-7753-43e0-B8FC-AC1667EBCBE1}">
+                        <a:ext uri="{AF507438-7753-43E0-B8FC-AC1667EBCBE1}">
                           <a14:hiddenEffects xmlns:a14="http://schemas.microsoft.com/office/drawing/2010/main">
                             <a:effectLst>
                               <a:outerShdw dist="35921" dir="2700000" algn="ctr" rotWithShape="0">
@@ -15785,7 +15785,7 @@
               <a:rPr lang="en-US" smtClean="0">
                 <a:latin typeface="Garamond" charset="0"/>
               </a:rPr>
-              <a:t>9/14/15</a:t>
+              <a:t>9/16/2015</a:t>
             </a:fld>
             <a:endParaRPr lang="en-US">
               <a:latin typeface="Garamond" charset="0"/>
@@ -15972,7 +15972,7 @@
           <p:nvPr/>
         </p:nvPicPr>
         <p:blipFill>
-          <a:blip r:embed="rId11">
+          <a:blip r:embed="rId11" cstate="email">
             <a:extLst>
               <a:ext uri="{28A0092B-C50C-407E-A947-70E740481C1C}">
                 <a14:useLocalDpi xmlns:a14="http://schemas.microsoft.com/office/drawing/2010/main" val="0"/>
@@ -15997,14 +15997,14 @@
             <a:noFill/>
           </a:ln>
           <a:extLst>
-            <a:ext uri="{909E8E84-426E-40dd-AFC4-6F175D3DCCD1}">
+            <a:ext uri="{909E8E84-426E-40DD-AFC4-6F175D3DCCD1}">
               <a14:hiddenFill xmlns:a14="http://schemas.microsoft.com/office/drawing/2010/main">
                 <a:solidFill>
                   <a:srgbClr val="FFFFFF"/>
                 </a:solidFill>
               </a14:hiddenFill>
             </a:ext>
-            <a:ext uri="{91240B29-F687-4f45-9708-019B960494DF}">
+            <a:ext uri="{91240B29-F687-4F45-9708-019B960494DF}">
               <a14:hiddenLine xmlns:a14="http://schemas.microsoft.com/office/drawing/2010/main" w="9525">
                 <a:solidFill>
                   <a:srgbClr val="000000"/>
@@ -16025,7 +16025,7 @@
   <p:timing>
     <p:tnLst>
       <p:par>
-        <p:cTn xmlns:p14="http://schemas.microsoft.com/office/powerpoint/2010/main" id="1" dur="indefinite" restart="never" nodeType="tmRoot"/>
+        <p:cTn id="1" dur="indefinite" restart="never" nodeType="tmRoot"/>
       </p:par>
     </p:tnLst>
   </p:timing>
@@ -16091,7 +16091,7 @@
           <a:lstStyle/>
           <a:p>
             <a:r>
-              <a:rPr lang="en-US" sz="2800">
+              <a:rPr lang="en-US" sz="2800" dirty="0">
                 <a:latin typeface="Arial" charset="0"/>
               </a:rPr>
               <a:t>Design a flowchart to solve the following:</a:t>
@@ -16100,7 +16100,7 @@
           <a:p>
             <a:pPr lvl="1"/>
             <a:r>
-              <a:rPr lang="en-US" sz="2400">
+              <a:rPr lang="en-US" sz="2400" dirty="0">
                 <a:latin typeface="Arial" charset="0"/>
               </a:rPr>
               <a:t>Prompt a user to enter four numbers on a single line, which represent the contents of a 2x2 array</a:t>
@@ -16109,7 +16109,7 @@
           <a:p>
             <a:pPr lvl="1"/>
             <a:r>
-              <a:rPr lang="en-US" sz="2400">
+              <a:rPr lang="en-US" sz="2400" dirty="0">
                 <a:latin typeface="Arial" charset="0"/>
               </a:rPr>
               <a:t>After reading the values, your program should print the matrix represented by these values</a:t>
@@ -16118,38 +16118,38 @@
           <a:p>
             <a:pPr lvl="2"/>
             <a:r>
-              <a:rPr lang="en-US" sz="2000">
+              <a:rPr lang="en-US" sz="2000" dirty="0">
                 <a:latin typeface="Arial" charset="0"/>
               </a:rPr>
               <a:t>For example, if the user enters </a:t>
             </a:r>
             <a:r>
-              <a:rPr lang="ja-JP" altLang="en-US" sz="2000">
+              <a:rPr lang="ja-JP" altLang="en-US" sz="2000" dirty="0">
                 <a:latin typeface="Arial" charset="0"/>
               </a:rPr>
               <a:t>“</a:t>
             </a:r>
             <a:r>
-              <a:rPr lang="en-US" sz="2000">
+              <a:rPr lang="en-US" sz="2000" dirty="0">
                 <a:latin typeface="Courier New" charset="0"/>
                 <a:cs typeface="Courier New" charset="0"/>
               </a:rPr>
               <a:t>1 2 3 4</a:t>
             </a:r>
             <a:r>
-              <a:rPr lang="ja-JP" altLang="en-US" sz="2000">
+              <a:rPr lang="ja-JP" altLang="en-US" sz="2000" dirty="0">
                 <a:latin typeface="Arial" charset="0"/>
               </a:rPr>
               <a:t>”</a:t>
             </a:r>
             <a:r>
-              <a:rPr lang="en-US" sz="2000">
+              <a:rPr lang="en-US" sz="2000" dirty="0">
                 <a:latin typeface="Arial" charset="0"/>
               </a:rPr>
               <a:t>, print:</a:t>
             </a:r>
             <a:r>
-              <a:rPr lang="en-US" sz="2000">
+              <a:rPr lang="en-US" sz="2000" dirty="0">
                 <a:latin typeface="Courier New" charset="0"/>
                 <a:cs typeface="Courier New" charset="0"/>
               </a:rPr>
@@ -16166,7 +16166,21 @@
                 <a:latin typeface="Courier New" charset="0"/>
                 <a:cs typeface="Courier New" charset="0"/>
               </a:rPr>
-              <a:t>       1  2</a:t>
+              <a:t>      </a:t>
+            </a:r>
+            <a:r>
+              <a:rPr lang="en-US" sz="2400" smtClean="0">
+                <a:latin typeface="Courier New" charset="0"/>
+                <a:cs typeface="Courier New" charset="0"/>
+              </a:rPr>
+              <a:t>1  </a:t>
+            </a:r>
+            <a:r>
+              <a:rPr lang="en-US" sz="2400">
+                <a:latin typeface="Courier New" charset="0"/>
+                <a:cs typeface="Courier New" charset="0"/>
+              </a:rPr>
+              <a:t>2</a:t>
             </a:r>
           </a:p>
           <a:p>
@@ -16175,7 +16189,7 @@
               <a:buNone/>
             </a:pPr>
             <a:r>
-              <a:rPr lang="en-US" sz="2400">
+              <a:rPr lang="en-US" sz="2400" dirty="0">
                 <a:latin typeface="Courier New" charset="0"/>
                 <a:cs typeface="Courier New" charset="0"/>
               </a:rPr>
@@ -16185,7 +16199,7 @@
           <a:p>
             <a:pPr lvl="2"/>
             <a:r>
-              <a:rPr lang="en-US" sz="2000">
+              <a:rPr lang="en-US" sz="2000" dirty="0">
                 <a:latin typeface="Arial" charset="0"/>
               </a:rPr>
               <a:t>Assume all values have the same number of digits</a:t>
@@ -16194,7 +16208,7 @@
           <a:p>
             <a:pPr lvl="1"/>
             <a:r>
-              <a:rPr lang="en-US" sz="2400">
+              <a:rPr lang="en-US" sz="2400" dirty="0">
                 <a:latin typeface="Arial" charset="0"/>
               </a:rPr>
               <a:t>Also, calculate the matrix determinant and print it on a separate line</a:t>
@@ -16203,7 +16217,7 @@
           <a:p>
             <a:pPr lvl="2"/>
             <a:r>
-              <a:rPr lang="en-US" sz="2000">
+              <a:rPr lang="en-US" sz="2000" dirty="0">
                 <a:latin typeface="Arial" charset="0"/>
               </a:rPr>
               <a:t>In the example above, determinant = (1x4) - (2x3) = 4-6 = -2</a:t>
@@ -16346,7 +16360,7 @@
               <a:rPr lang="en-US" smtClean="0">
                 <a:latin typeface="Garamond" charset="0"/>
               </a:rPr>
-              <a:t>9/14/15</a:t>
+              <a:t>9/16/2015</a:t>
             </a:fld>
             <a:endParaRPr lang="en-US">
               <a:latin typeface="Garamond" charset="0"/>
@@ -16532,7 +16546,7 @@
   <p:timing>
     <p:tnLst>
       <p:par>
-        <p:cTn xmlns:p14="http://schemas.microsoft.com/office/powerpoint/2010/main" id="1" dur="indefinite" restart="never" nodeType="tmRoot"/>
+        <p:cTn id="1" dur="indefinite" restart="never" nodeType="tmRoot"/>
       </p:par>
     </p:tnLst>
   </p:timing>
